--- a/presentations/presentation_08_Практическая_работа_3_Переопределение_и_перегрузка_методов.pptx
+++ b/presentations/presentation_08_Практическая_работа_3_Переопределение_и_перегрузка_методов.pptx
@@ -3158,24 +3158,17 @@
       <p:grpSpPr/>
       <p:sp>
         <p:nvSpPr>
-          <p:cNvPr id="2" name="TextBox 1"/>
-          <p:cNvSpPr txBox="1"/>
-          <p:nvPr/>
-        </p:nvSpPr>
-        <p:spPr>
-          <a:xfrm>
-            <a:off x="457200" y="457200"/>
-            <a:ext cx="8229600" cy="914400"/>
-          </a:xfrm>
-          <a:prstGeom prst="rect">
-            <a:avLst/>
-          </a:prstGeom>
-          <a:noFill/>
-        </p:spPr>
-        <p:txBody>
-          <a:bodyPr wrap="none">
-            <a:spAutoFit/>
-          </a:bodyPr>
+          <p:cNvPr id="2" name="Title 1"/>
+          <p:cNvSpPr>
+            <a:spLocks noGrp="1"/>
+          </p:cNvSpPr>
+          <p:nvPr>
+            <p:ph type="title"/>
+          </p:nvPr>
+        </p:nvSpPr>
+        <p:spPr/>
+        <p:txBody>
+          <a:bodyPr/>
           <a:lstStyle/>
           <a:p>
             <a:pPr>
@@ -3194,27 +3187,21 @@
       </p:sp>
       <p:sp>
         <p:nvSpPr>
-          <p:cNvPr id="3" name="TextBox 2"/>
-          <p:cNvSpPr txBox="1"/>
-          <p:nvPr/>
-        </p:nvSpPr>
-        <p:spPr>
-          <a:xfrm>
-            <a:off x="457200" y="1371600"/>
-            <a:ext cx="8229600" cy="5029200"/>
-          </a:xfrm>
-          <a:prstGeom prst="rect">
-            <a:avLst/>
-          </a:prstGeom>
-          <a:noFill/>
-        </p:spPr>
-        <p:txBody>
-          <a:bodyPr wrap="none">
-            <a:spAutoFit/>
-          </a:bodyPr>
+          <p:cNvPr id="3" name="Content Placeholder 2"/>
+          <p:cNvSpPr>
+            <a:spLocks noGrp="1"/>
+          </p:cNvSpPr>
+          <p:nvPr>
+            <p:ph idx="1"/>
+          </p:nvPr>
+        </p:nvSpPr>
+        <p:spPr/>
+        <p:txBody>
+          <a:bodyPr/>
           <a:lstStyle/>
           <a:p>
             <a:pPr>
+              <a:buNone/>
               <a:defRPr sz="1400" b="1">
                 <a:solidFill>
                   <a:srgbClr val="444444"/>
@@ -3228,6 +3215,7 @@
           </a:p>
           <a:p>
             <a:pPr>
+              <a:buNone/>
               <a:defRPr sz="1400" b="1">
                 <a:solidFill>
                   <a:srgbClr val="444444"/>
@@ -3241,6 +3229,7 @@
           </a:p>
           <a:p>
             <a:pPr>
+              <a:buNone/>
               <a:defRPr sz="1400">
                 <a:solidFill>
                   <a:srgbClr val="444444"/>
@@ -3254,6 +3243,7 @@
           </a:p>
           <a:p>
             <a:pPr>
+              <a:buNone/>
               <a:defRPr sz="1400">
                 <a:solidFill>
                   <a:srgbClr val="444444"/>
@@ -3267,6 +3257,7 @@
           </a:p>
           <a:p>
             <a:pPr>
+              <a:buNone/>
               <a:defRPr sz="1400">
                 <a:solidFill>
                   <a:srgbClr val="444444"/>
@@ -3280,6 +3271,7 @@
           </a:p>
           <a:p>
             <a:pPr>
+              <a:buNone/>
               <a:defRPr sz="1400">
                 <a:solidFill>
                   <a:srgbClr val="444444"/>
@@ -3313,24 +3305,17 @@
       <p:grpSpPr/>
       <p:sp>
         <p:nvSpPr>
-          <p:cNvPr id="2" name="TextBox 1"/>
-          <p:cNvSpPr txBox="1"/>
-          <p:nvPr/>
-        </p:nvSpPr>
-        <p:spPr>
-          <a:xfrm>
-            <a:off x="457200" y="457200"/>
-            <a:ext cx="8229600" cy="914400"/>
-          </a:xfrm>
-          <a:prstGeom prst="rect">
-            <a:avLst/>
-          </a:prstGeom>
-          <a:noFill/>
-        </p:spPr>
-        <p:txBody>
-          <a:bodyPr wrap="none">
-            <a:spAutoFit/>
-          </a:bodyPr>
+          <p:cNvPr id="2" name="Title 1"/>
+          <p:cNvSpPr>
+            <a:spLocks noGrp="1"/>
+          </p:cNvSpPr>
+          <p:nvPr>
+            <p:ph type="title"/>
+          </p:nvPr>
+        </p:nvSpPr>
+        <p:spPr/>
+        <p:txBody>
+          <a:bodyPr/>
           <a:lstStyle/>
           <a:p>
             <a:pPr>
@@ -3349,27 +3334,21 @@
       </p:sp>
       <p:sp>
         <p:nvSpPr>
-          <p:cNvPr id="3" name="TextBox 2"/>
-          <p:cNvSpPr txBox="1"/>
-          <p:nvPr/>
-        </p:nvSpPr>
-        <p:spPr>
-          <a:xfrm>
-            <a:off x="457200" y="1371600"/>
-            <a:ext cx="8229600" cy="5029200"/>
-          </a:xfrm>
-          <a:prstGeom prst="rect">
-            <a:avLst/>
-          </a:prstGeom>
-          <a:noFill/>
-        </p:spPr>
-        <p:txBody>
-          <a:bodyPr wrap="none">
-            <a:spAutoFit/>
-          </a:bodyPr>
+          <p:cNvPr id="3" name="Content Placeholder 2"/>
+          <p:cNvSpPr>
+            <a:spLocks noGrp="1"/>
+          </p:cNvSpPr>
+          <p:nvPr>
+            <p:ph idx="1"/>
+          </p:nvPr>
+        </p:nvSpPr>
+        <p:spPr/>
+        <p:txBody>
+          <a:bodyPr/>
           <a:lstStyle/>
           <a:p>
             <a:pPr>
+              <a:buNone/>
               <a:defRPr sz="1400">
                 <a:solidFill>
                   <a:srgbClr val="444444"/>
@@ -3403,24 +3382,17 @@
       <p:grpSpPr/>
       <p:sp>
         <p:nvSpPr>
-          <p:cNvPr id="2" name="TextBox 1"/>
-          <p:cNvSpPr txBox="1"/>
-          <p:nvPr/>
-        </p:nvSpPr>
-        <p:spPr>
-          <a:xfrm>
-            <a:off x="457200" y="457200"/>
-            <a:ext cx="8229600" cy="914400"/>
-          </a:xfrm>
-          <a:prstGeom prst="rect">
-            <a:avLst/>
-          </a:prstGeom>
-          <a:noFill/>
-        </p:spPr>
-        <p:txBody>
-          <a:bodyPr wrap="none">
-            <a:spAutoFit/>
-          </a:bodyPr>
+          <p:cNvPr id="2" name="Title 1"/>
+          <p:cNvSpPr>
+            <a:spLocks noGrp="1"/>
+          </p:cNvSpPr>
+          <p:nvPr>
+            <p:ph type="title"/>
+          </p:nvPr>
+        </p:nvSpPr>
+        <p:spPr/>
+        <p:txBody>
+          <a:bodyPr/>
           <a:lstStyle/>
           <a:p>
             <a:pPr>
@@ -3439,27 +3411,21 @@
       </p:sp>
       <p:sp>
         <p:nvSpPr>
-          <p:cNvPr id="3" name="TextBox 2"/>
-          <p:cNvSpPr txBox="1"/>
-          <p:nvPr/>
-        </p:nvSpPr>
-        <p:spPr>
-          <a:xfrm>
-            <a:off x="457200" y="1371600"/>
-            <a:ext cx="8229600" cy="5029200"/>
-          </a:xfrm>
-          <a:prstGeom prst="rect">
-            <a:avLst/>
-          </a:prstGeom>
-          <a:noFill/>
-        </p:spPr>
-        <p:txBody>
-          <a:bodyPr wrap="none">
-            <a:spAutoFit/>
-          </a:bodyPr>
+          <p:cNvPr id="3" name="Content Placeholder 2"/>
+          <p:cNvSpPr>
+            <a:spLocks noGrp="1"/>
+          </p:cNvSpPr>
+          <p:nvPr>
+            <p:ph idx="1"/>
+          </p:nvPr>
+        </p:nvSpPr>
+        <p:spPr/>
+        <p:txBody>
+          <a:bodyPr/>
           <a:lstStyle/>
           <a:p>
             <a:pPr>
+              <a:buNone/>
               <a:defRPr sz="1400" b="1">
                 <a:solidFill>
                   <a:srgbClr val="444444"/>
@@ -3473,6 +3439,7 @@
           </a:p>
           <a:p>
             <a:pPr>
+              <a:buNone/>
               <a:defRPr sz="1400" b="1">
                 <a:solidFill>
                   <a:srgbClr val="444444"/>
@@ -3486,6 +3453,7 @@
           </a:p>
           <a:p>
             <a:pPr>
+              <a:buNone/>
               <a:defRPr sz="1400" b="1">
                 <a:solidFill>
                   <a:srgbClr val="444444"/>
@@ -3499,6 +3467,7 @@
           </a:p>
           <a:p>
             <a:pPr>
+              <a:buNone/>
               <a:defRPr sz="1400" b="1">
                 <a:solidFill>
                   <a:srgbClr val="444444"/>
@@ -3512,6 +3481,7 @@
           </a:p>
           <a:p>
             <a:pPr>
+              <a:buNone/>
               <a:defRPr sz="1400" b="1">
                 <a:solidFill>
                   <a:srgbClr val="444444"/>
@@ -3545,24 +3515,17 @@
       <p:grpSpPr/>
       <p:sp>
         <p:nvSpPr>
-          <p:cNvPr id="2" name="TextBox 1"/>
-          <p:cNvSpPr txBox="1"/>
-          <p:nvPr/>
-        </p:nvSpPr>
-        <p:spPr>
-          <a:xfrm>
-            <a:off x="457200" y="457200"/>
-            <a:ext cx="8229600" cy="914400"/>
-          </a:xfrm>
-          <a:prstGeom prst="rect">
-            <a:avLst/>
-          </a:prstGeom>
-          <a:noFill/>
-        </p:spPr>
-        <p:txBody>
-          <a:bodyPr wrap="none">
-            <a:spAutoFit/>
-          </a:bodyPr>
+          <p:cNvPr id="2" name="Title 1"/>
+          <p:cNvSpPr>
+            <a:spLocks noGrp="1"/>
+          </p:cNvSpPr>
+          <p:nvPr>
+            <p:ph type="title"/>
+          </p:nvPr>
+        </p:nvSpPr>
+        <p:spPr/>
+        <p:txBody>
+          <a:bodyPr/>
           <a:lstStyle/>
           <a:p>
             <a:pPr>
@@ -3581,24 +3544,17 @@
       </p:sp>
       <p:sp>
         <p:nvSpPr>
-          <p:cNvPr id="3" name="TextBox 2"/>
-          <p:cNvSpPr txBox="1"/>
-          <p:nvPr/>
-        </p:nvSpPr>
-        <p:spPr>
-          <a:xfrm>
-            <a:off x="457200" y="1371600"/>
-            <a:ext cx="8229600" cy="5029200"/>
-          </a:xfrm>
-          <a:prstGeom prst="rect">
-            <a:avLst/>
-          </a:prstGeom>
-          <a:noFill/>
-        </p:spPr>
-        <p:txBody>
-          <a:bodyPr wrap="none">
-            <a:spAutoFit/>
-          </a:bodyPr>
+          <p:cNvPr id="3" name="Content Placeholder 2"/>
+          <p:cNvSpPr>
+            <a:spLocks noGrp="1"/>
+          </p:cNvSpPr>
+          <p:nvPr>
+            <p:ph idx="1"/>
+          </p:nvPr>
+        </p:nvSpPr>
+        <p:spPr/>
+        <p:txBody>
+          <a:bodyPr/>
           <a:lstStyle/>
           <a:p/>
           <a:p>
@@ -3664,6 +3620,7 @@
           </a:p>
           <a:p>
             <a:pPr>
+              <a:buNone/>
               <a:defRPr sz="1400">
                 <a:solidFill>
                   <a:srgbClr val="444444"/>
